--- a/Presentazioni/Presentazione_Clips.pptx
+++ b/Presentazioni/Presentazione_Clips.pptx
@@ -8,7 +8,14 @@
     <p:sldId id="256" r:id="rId2"/>
     <p:sldId id="257" r:id="rId3"/>
     <p:sldId id="258" r:id="rId4"/>
-    <p:sldId id="259" r:id="rId5"/>
+    <p:sldId id="261" r:id="rId5"/>
+    <p:sldId id="262" r:id="rId6"/>
+    <p:sldId id="263" r:id="rId7"/>
+    <p:sldId id="264" r:id="rId8"/>
+    <p:sldId id="260" r:id="rId9"/>
+    <p:sldId id="265" r:id="rId10"/>
+    <p:sldId id="266" r:id="rId11"/>
+    <p:sldId id="267" r:id="rId12"/>
   </p:sldIdLst>
   <p:sldSz cx="12192000" cy="6858000"/>
   <p:notesSz cx="6858000" cy="9144000"/>
@@ -262,7 +269,7 @@
           <a:p>
             <a:fld id="{E0D6D977-7987-4A68-8058-4F7070066CB9}" type="datetimeFigureOut">
               <a:rPr lang="it-IT" smtClean="0"/>
-              <a:t>13/06/2022</a:t>
+              <a:t>15/06/2022</a:t>
             </a:fld>
             <a:endParaRPr lang="it-IT"/>
           </a:p>
@@ -460,7 +467,7 @@
           <a:p>
             <a:fld id="{E0D6D977-7987-4A68-8058-4F7070066CB9}" type="datetimeFigureOut">
               <a:rPr lang="it-IT" smtClean="0"/>
-              <a:t>13/06/2022</a:t>
+              <a:t>15/06/2022</a:t>
             </a:fld>
             <a:endParaRPr lang="it-IT"/>
           </a:p>
@@ -668,7 +675,7 @@
           <a:p>
             <a:fld id="{E0D6D977-7987-4A68-8058-4F7070066CB9}" type="datetimeFigureOut">
               <a:rPr lang="it-IT" smtClean="0"/>
-              <a:t>13/06/2022</a:t>
+              <a:t>15/06/2022</a:t>
             </a:fld>
             <a:endParaRPr lang="it-IT"/>
           </a:p>
@@ -866,7 +873,7 @@
           <a:p>
             <a:fld id="{E0D6D977-7987-4A68-8058-4F7070066CB9}" type="datetimeFigureOut">
               <a:rPr lang="it-IT" smtClean="0"/>
-              <a:t>13/06/2022</a:t>
+              <a:t>15/06/2022</a:t>
             </a:fld>
             <a:endParaRPr lang="it-IT"/>
           </a:p>
@@ -1141,7 +1148,7 @@
           <a:p>
             <a:fld id="{E0D6D977-7987-4A68-8058-4F7070066CB9}" type="datetimeFigureOut">
               <a:rPr lang="it-IT" smtClean="0"/>
-              <a:t>13/06/2022</a:t>
+              <a:t>15/06/2022</a:t>
             </a:fld>
             <a:endParaRPr lang="it-IT"/>
           </a:p>
@@ -1406,7 +1413,7 @@
           <a:p>
             <a:fld id="{E0D6D977-7987-4A68-8058-4F7070066CB9}" type="datetimeFigureOut">
               <a:rPr lang="it-IT" smtClean="0"/>
-              <a:t>13/06/2022</a:t>
+              <a:t>15/06/2022</a:t>
             </a:fld>
             <a:endParaRPr lang="it-IT"/>
           </a:p>
@@ -1818,7 +1825,7 @@
           <a:p>
             <a:fld id="{E0D6D977-7987-4A68-8058-4F7070066CB9}" type="datetimeFigureOut">
               <a:rPr lang="it-IT" smtClean="0"/>
-              <a:t>13/06/2022</a:t>
+              <a:t>15/06/2022</a:t>
             </a:fld>
             <a:endParaRPr lang="it-IT"/>
           </a:p>
@@ -1959,7 +1966,7 @@
           <a:p>
             <a:fld id="{E0D6D977-7987-4A68-8058-4F7070066CB9}" type="datetimeFigureOut">
               <a:rPr lang="it-IT" smtClean="0"/>
-              <a:t>13/06/2022</a:t>
+              <a:t>15/06/2022</a:t>
             </a:fld>
             <a:endParaRPr lang="it-IT"/>
           </a:p>
@@ -2072,7 +2079,7 @@
           <a:p>
             <a:fld id="{E0D6D977-7987-4A68-8058-4F7070066CB9}" type="datetimeFigureOut">
               <a:rPr lang="it-IT" smtClean="0"/>
-              <a:t>13/06/2022</a:t>
+              <a:t>15/06/2022</a:t>
             </a:fld>
             <a:endParaRPr lang="it-IT"/>
           </a:p>
@@ -2383,7 +2390,7 @@
           <a:p>
             <a:fld id="{E0D6D977-7987-4A68-8058-4F7070066CB9}" type="datetimeFigureOut">
               <a:rPr lang="it-IT" smtClean="0"/>
-              <a:t>13/06/2022</a:t>
+              <a:t>15/06/2022</a:t>
             </a:fld>
             <a:endParaRPr lang="it-IT"/>
           </a:p>
@@ -2671,7 +2678,7 @@
           <a:p>
             <a:fld id="{E0D6D977-7987-4A68-8058-4F7070066CB9}" type="datetimeFigureOut">
               <a:rPr lang="it-IT" smtClean="0"/>
-              <a:t>13/06/2022</a:t>
+              <a:t>15/06/2022</a:t>
             </a:fld>
             <a:endParaRPr lang="it-IT"/>
           </a:p>
@@ -2912,7 +2919,7 @@
           <a:p>
             <a:fld id="{E0D6D977-7987-4A68-8058-4F7070066CB9}" type="datetimeFigureOut">
               <a:rPr lang="it-IT" smtClean="0"/>
-              <a:t>13/06/2022</a:t>
+              <a:t>15/06/2022</a:t>
             </a:fld>
             <a:endParaRPr lang="it-IT"/>
           </a:p>
@@ -3425,6 +3432,210 @@
 </p:sld>
 </file>
 
+<file path=ppt/slides/slide10.xml><?xml version="1.0" encoding="utf-8"?>
+<p:sld xmlns:a="http://schemas.openxmlformats.org/drawingml/2006/main" xmlns:r="http://schemas.openxmlformats.org/officeDocument/2006/relationships" xmlns:p="http://schemas.openxmlformats.org/presentationml/2006/main">
+  <p:cSld>
+    <p:spTree>
+      <p:nvGrpSpPr>
+        <p:cNvPr id="1" name=""/>
+        <p:cNvGrpSpPr/>
+        <p:nvPr/>
+      </p:nvGrpSpPr>
+      <p:grpSpPr>
+        <a:xfrm>
+          <a:off x="0" y="0"/>
+          <a:ext cx="0" cy="0"/>
+          <a:chOff x="0" y="0"/>
+          <a:chExt cx="0" cy="0"/>
+        </a:xfrm>
+      </p:grpSpPr>
+      <p:pic>
+        <p:nvPicPr>
+          <p:cNvPr id="3" name="Immagine 2" descr="Immagine che contiene testo&#10;&#10;Descrizione generata automaticamente">
+            <a:extLst>
+              <a:ext uri="{FF2B5EF4-FFF2-40B4-BE49-F238E27FC236}">
+                <a16:creationId xmlns:a16="http://schemas.microsoft.com/office/drawing/2014/main" id="{6F11F8F2-E7BF-4ED8-AA16-88E0F3A85D63}"/>
+              </a:ext>
+            </a:extLst>
+          </p:cNvPr>
+          <p:cNvPicPr>
+            <a:picLocks noChangeAspect="1"/>
+          </p:cNvPicPr>
+          <p:nvPr/>
+        </p:nvPicPr>
+        <p:blipFill>
+          <a:blip r:embed="rId2">
+            <a:extLst>
+              <a:ext uri="{28A0092B-C50C-407E-A947-70E740481C1C}">
+                <a14:useLocalDpi xmlns:a14="http://schemas.microsoft.com/office/drawing/2010/main" val="0"/>
+              </a:ext>
+            </a:extLst>
+          </a:blip>
+          <a:stretch>
+            <a:fillRect/>
+          </a:stretch>
+        </p:blipFill>
+        <p:spPr>
+          <a:xfrm>
+            <a:off x="6096000" y="228600"/>
+            <a:ext cx="5441681" cy="4211335"/>
+          </a:xfrm>
+          <a:prstGeom prst="rect">
+            <a:avLst/>
+          </a:prstGeom>
+        </p:spPr>
+      </p:pic>
+      <p:pic>
+        <p:nvPicPr>
+          <p:cNvPr id="6" name="Immagine 5" descr="Immagine che contiene testo, schermo, screenshot, argento&#10;&#10;Descrizione generata automaticamente">
+            <a:extLst>
+              <a:ext uri="{FF2B5EF4-FFF2-40B4-BE49-F238E27FC236}">
+                <a16:creationId xmlns:a16="http://schemas.microsoft.com/office/drawing/2014/main" id="{55886280-4D79-0D77-7C3F-7C29D7913ADC}"/>
+              </a:ext>
+            </a:extLst>
+          </p:cNvPr>
+          <p:cNvPicPr>
+            <a:picLocks noChangeAspect="1"/>
+          </p:cNvPicPr>
+          <p:nvPr/>
+        </p:nvPicPr>
+        <p:blipFill>
+          <a:blip r:embed="rId3">
+            <a:extLst>
+              <a:ext uri="{28A0092B-C50C-407E-A947-70E740481C1C}">
+                <a14:useLocalDpi xmlns:a14="http://schemas.microsoft.com/office/drawing/2010/main" val="0"/>
+              </a:ext>
+            </a:extLst>
+          </a:blip>
+          <a:stretch>
+            <a:fillRect/>
+          </a:stretch>
+        </p:blipFill>
+        <p:spPr>
+          <a:xfrm>
+            <a:off x="159818" y="357807"/>
+            <a:ext cx="4728954" cy="2531241"/>
+          </a:xfrm>
+          <a:prstGeom prst="rect">
+            <a:avLst/>
+          </a:prstGeom>
+        </p:spPr>
+      </p:pic>
+      <p:pic>
+        <p:nvPicPr>
+          <p:cNvPr id="8" name="Immagine 7" descr="Immagine che contiene testo&#10;&#10;Descrizione generata automaticamente">
+            <a:extLst>
+              <a:ext uri="{FF2B5EF4-FFF2-40B4-BE49-F238E27FC236}">
+                <a16:creationId xmlns:a16="http://schemas.microsoft.com/office/drawing/2014/main" id="{0B4738AB-EFA1-9940-4F84-CCDCF8430AF9}"/>
+              </a:ext>
+            </a:extLst>
+          </p:cNvPr>
+          <p:cNvPicPr>
+            <a:picLocks noChangeAspect="1"/>
+          </p:cNvPicPr>
+          <p:nvPr/>
+        </p:nvPicPr>
+        <p:blipFill>
+          <a:blip r:embed="rId4">
+            <a:extLst>
+              <a:ext uri="{28A0092B-C50C-407E-A947-70E740481C1C}">
+                <a14:useLocalDpi xmlns:a14="http://schemas.microsoft.com/office/drawing/2010/main" val="0"/>
+              </a:ext>
+            </a:extLst>
+          </a:blip>
+          <a:stretch>
+            <a:fillRect/>
+          </a:stretch>
+        </p:blipFill>
+        <p:spPr>
+          <a:xfrm>
+            <a:off x="5908463" y="4622810"/>
+            <a:ext cx="5816753" cy="1634268"/>
+          </a:xfrm>
+          <a:prstGeom prst="rect">
+            <a:avLst/>
+          </a:prstGeom>
+        </p:spPr>
+      </p:pic>
+    </p:spTree>
+    <p:extLst>
+      <p:ext uri="{BB962C8B-B14F-4D97-AF65-F5344CB8AC3E}">
+        <p14:creationId xmlns:p14="http://schemas.microsoft.com/office/powerpoint/2010/main" val="1921179430"/>
+      </p:ext>
+    </p:extLst>
+  </p:cSld>
+  <p:clrMapOvr>
+    <a:masterClrMapping/>
+  </p:clrMapOvr>
+</p:sld>
+</file>
+
+<file path=ppt/slides/slide11.xml><?xml version="1.0" encoding="utf-8"?>
+<p:sld xmlns:a="http://schemas.openxmlformats.org/drawingml/2006/main" xmlns:r="http://schemas.openxmlformats.org/officeDocument/2006/relationships" xmlns:p="http://schemas.openxmlformats.org/presentationml/2006/main">
+  <p:cSld>
+    <p:spTree>
+      <p:nvGrpSpPr>
+        <p:cNvPr id="1" name=""/>
+        <p:cNvGrpSpPr/>
+        <p:nvPr/>
+      </p:nvGrpSpPr>
+      <p:grpSpPr>
+        <a:xfrm>
+          <a:off x="0" y="0"/>
+          <a:ext cx="0" cy="0"/>
+          <a:chOff x="0" y="0"/>
+          <a:chExt cx="0" cy="0"/>
+        </a:xfrm>
+      </p:grpSpPr>
+      <p:pic>
+        <p:nvPicPr>
+          <p:cNvPr id="4" name="Immagine 3" descr="Immagine che contiene testo&#10;&#10;Descrizione generata automaticamente">
+            <a:extLst>
+              <a:ext uri="{FF2B5EF4-FFF2-40B4-BE49-F238E27FC236}">
+                <a16:creationId xmlns:a16="http://schemas.microsoft.com/office/drawing/2014/main" id="{9C46FFA4-92F0-A981-BD0D-2BDCACF2C9BA}"/>
+              </a:ext>
+            </a:extLst>
+          </p:cNvPr>
+          <p:cNvPicPr>
+            <a:picLocks noChangeAspect="1"/>
+          </p:cNvPicPr>
+          <p:nvPr/>
+        </p:nvPicPr>
+        <p:blipFill>
+          <a:blip r:embed="rId2">
+            <a:extLst>
+              <a:ext uri="{28A0092B-C50C-407E-A947-70E740481C1C}">
+                <a14:useLocalDpi xmlns:a14="http://schemas.microsoft.com/office/drawing/2010/main" val="0"/>
+              </a:ext>
+            </a:extLst>
+          </a:blip>
+          <a:stretch>
+            <a:fillRect/>
+          </a:stretch>
+        </p:blipFill>
+        <p:spPr>
+          <a:xfrm>
+            <a:off x="2518863" y="1310789"/>
+            <a:ext cx="7154273" cy="2010056"/>
+          </a:xfrm>
+          <a:prstGeom prst="rect">
+            <a:avLst/>
+          </a:prstGeom>
+        </p:spPr>
+      </p:pic>
+    </p:spTree>
+    <p:extLst>
+      <p:ext uri="{BB962C8B-B14F-4D97-AF65-F5344CB8AC3E}">
+        <p14:creationId xmlns:p14="http://schemas.microsoft.com/office/powerpoint/2010/main" val="1215851926"/>
+      </p:ext>
+    </p:extLst>
+  </p:cSld>
+  <p:clrMapOvr>
+    <a:masterClrMapping/>
+  </p:clrMapOvr>
+</p:sld>
+</file>
+
 <file path=ppt/slides/slide2.xml><?xml version="1.0" encoding="utf-8"?>
 <p:sld xmlns:a="http://schemas.openxmlformats.org/drawingml/2006/main" xmlns:r="http://schemas.openxmlformats.org/officeDocument/2006/relationships" xmlns:p="http://schemas.openxmlformats.org/presentationml/2006/main">
   <p:cSld>
@@ -3619,8 +3830,8 @@
         </p:nvSpPr>
         <p:spPr>
           <a:xfrm>
-            <a:off x="334392" y="355107"/>
-            <a:ext cx="11523216" cy="6463308"/>
+            <a:off x="334392" y="355106"/>
+            <a:ext cx="11523216" cy="1200329"/>
           </a:xfrm>
           <a:prstGeom prst="rect">
             <a:avLst/>
@@ -3635,51 +3846,11 @@
           <a:p>
             <a:r>
               <a:rPr lang="it-IT" dirty="0"/>
-              <a:t>Il sistema è stato sviluppato usando i moduli, pel la profilazione utente abbiamo:</a:t>
+              <a:t>Il sistema, strutturato in moduli, è organizzato come in seguito :</a:t>
             </a:r>
           </a:p>
           <a:p>
             <a:endParaRPr lang="it-IT" dirty="0"/>
-          </a:p>
-          <a:p>
-            <a:pPr marL="285750" indent="-285750">
-              <a:buFont typeface="Arial" panose="020B0604020202020204" pitchFamily="34" charset="0"/>
-              <a:buChar char="•"/>
-            </a:pPr>
-            <a:r>
-              <a:rPr lang="it-IT" dirty="0"/>
-              <a:t>PROFILING: modulo che pone le prime domande generiche  all’utente,</a:t>
-            </a:r>
-          </a:p>
-          <a:p>
-            <a:pPr marL="285750" indent="-285750">
-              <a:buFont typeface="Arial" panose="020B0604020202020204" pitchFamily="34" charset="0"/>
-              <a:buChar char="•"/>
-            </a:pPr>
-            <a:r>
-              <a:rPr lang="it-IT" dirty="0"/>
-              <a:t>CHOOSE-PROFILING-HOUSES : modulo che contiene le regole per assegnare i CF agli attributi delle case in base alle risposte dell’utente per la prima fase,</a:t>
-            </a:r>
-          </a:p>
-          <a:p>
-            <a:pPr marL="285750" indent="-285750">
-              <a:buFont typeface="Arial" panose="020B0604020202020204" pitchFamily="34" charset="0"/>
-              <a:buChar char="•"/>
-            </a:pPr>
-            <a:r>
-              <a:rPr lang="it-IT" dirty="0"/>
-              <a:t>HOUSES: modulo che contiene il DB delle case e che mi genere le case da stampare,</a:t>
-            </a:r>
-          </a:p>
-          <a:p>
-            <a:pPr marL="285750" indent="-285750">
-              <a:buFont typeface="Arial" panose="020B0604020202020204" pitchFamily="34" charset="0"/>
-              <a:buChar char="•"/>
-            </a:pPr>
-            <a:r>
-              <a:rPr lang="it-IT" dirty="0"/>
-              <a:t>PRINT-RESULTS: modulo che stampa a video le case proposte.</a:t>
-            </a:r>
           </a:p>
           <a:p>
             <a:pPr marL="285750" indent="-285750">
@@ -3689,105 +3860,108 @@
             <a:endParaRPr lang="it-IT" dirty="0"/>
           </a:p>
           <a:p>
+            <a:endParaRPr lang="it-IT" dirty="0"/>
+          </a:p>
+        </p:txBody>
+      </p:sp>
+      <p:pic>
+        <p:nvPicPr>
+          <p:cNvPr id="4" name="Immagine 3" descr="Immagine che contiene testo&#10;&#10;Descrizione generata automaticamente">
+            <a:extLst>
+              <a:ext uri="{FF2B5EF4-FFF2-40B4-BE49-F238E27FC236}">
+                <a16:creationId xmlns:a16="http://schemas.microsoft.com/office/drawing/2014/main" id="{7FE9E209-DDE3-C0A3-D5F9-EBC12EF56869}"/>
+              </a:ext>
+            </a:extLst>
+          </p:cNvPr>
+          <p:cNvPicPr>
+            <a:picLocks noChangeAspect="1"/>
+          </p:cNvPicPr>
+          <p:nvPr/>
+        </p:nvPicPr>
+        <p:blipFill>
+          <a:blip r:embed="rId2">
+            <a:extLst>
+              <a:ext uri="{28A0092B-C50C-407E-A947-70E740481C1C}">
+                <a14:useLocalDpi xmlns:a14="http://schemas.microsoft.com/office/drawing/2010/main" val="0"/>
+              </a:ext>
+            </a:extLst>
+          </a:blip>
+          <a:stretch>
+            <a:fillRect/>
+          </a:stretch>
+        </p:blipFill>
+        <p:spPr>
+          <a:xfrm>
+            <a:off x="5391181" y="955271"/>
+            <a:ext cx="6800819" cy="4630520"/>
+          </a:xfrm>
+          <a:prstGeom prst="rect">
+            <a:avLst/>
+          </a:prstGeom>
+        </p:spPr>
+      </p:pic>
+      <p:sp>
+        <p:nvSpPr>
+          <p:cNvPr id="5" name="CasellaDiTesto 4">
+            <a:extLst>
+              <a:ext uri="{FF2B5EF4-FFF2-40B4-BE49-F238E27FC236}">
+                <a16:creationId xmlns:a16="http://schemas.microsoft.com/office/drawing/2014/main" id="{526DA626-4450-09A1-9D4B-1F96117A32CC}"/>
+              </a:ext>
+            </a:extLst>
+          </p:cNvPr>
+          <p:cNvSpPr txBox="1"/>
+          <p:nvPr/>
+        </p:nvSpPr>
+        <p:spPr>
+          <a:xfrm>
+            <a:off x="334392" y="1555435"/>
+            <a:ext cx="4943286" cy="2031325"/>
+          </a:xfrm>
+          <a:prstGeom prst="rect">
+            <a:avLst/>
+          </a:prstGeom>
+          <a:noFill/>
+        </p:spPr>
+        <p:txBody>
+          <a:bodyPr wrap="square" rtlCol="0">
+            <a:spAutoFit/>
+          </a:bodyPr>
+          <a:lstStyle/>
+          <a:p>
             <a:r>
               <a:rPr lang="it-IT" dirty="0"/>
-              <a:t>Per la seconda fase abbiamo i moduli:</a:t>
-            </a:r>
-          </a:p>
-          <a:p>
-            <a:endParaRPr lang="it-IT" dirty="0"/>
-          </a:p>
-          <a:p>
-            <a:pPr marL="285750" indent="-285750">
-              <a:buFont typeface="Arial" panose="020B0604020202020204" pitchFamily="34" charset="0"/>
-              <a:buChar char="•"/>
-            </a:pPr>
+              <a:t>Un modulo </a:t>
+            </a:r>
+            <a:r>
+              <a:rPr lang="it-IT" dirty="0" err="1"/>
+              <a:t>main</a:t>
+            </a:r>
             <a:r>
               <a:rPr lang="it-IT" dirty="0"/>
-              <a:t>QUESTIONS: modulo che pone le domande specifiche sulle case all’utente,</a:t>
-            </a:r>
-          </a:p>
-          <a:p>
-            <a:pPr marL="285750" indent="-285750">
-              <a:buFont typeface="Arial" panose="020B0604020202020204" pitchFamily="34" charset="0"/>
-              <a:buChar char="•"/>
-            </a:pPr>
+              <a:t> che definisce il template di </a:t>
+            </a:r>
+            <a:r>
+              <a:rPr lang="it-IT" dirty="0" err="1"/>
+              <a:t>attribute</a:t>
+            </a:r>
             <a:r>
               <a:rPr lang="it-IT" dirty="0"/>
-              <a:t>CHOOSE-HOUSES: modulo che contiene le regole per assegnare i CF agli attributi delle case in base alle risposte dell’utente per la seconda fase,</a:t>
-            </a:r>
-          </a:p>
-          <a:p>
-            <a:pPr marL="285750" indent="-285750">
-              <a:buFont typeface="Arial" panose="020B0604020202020204" pitchFamily="34" charset="0"/>
-              <a:buChar char="•"/>
-            </a:pPr>
+              <a:t> che viene utilizzato per definire gli attributi delle case in base alle risposte che un utente fornisce.</a:t>
+            </a:r>
+          </a:p>
+          <a:p>
             <a:r>
               <a:rPr lang="it-IT" dirty="0"/>
-              <a:t>HOUSES: modulo che contiene il DB delle case e che mi genere le case da stampare,</a:t>
-            </a:r>
-          </a:p>
-          <a:p>
-            <a:pPr marL="285750" indent="-285750">
-              <a:buFont typeface="Arial" panose="020B0604020202020204" pitchFamily="34" charset="0"/>
-              <a:buChar char="•"/>
-            </a:pPr>
+              <a:t>Il modulo </a:t>
+            </a:r>
+            <a:r>
+              <a:rPr lang="it-IT" dirty="0" err="1"/>
+              <a:t>main</a:t>
+            </a:r>
             <a:r>
               <a:rPr lang="it-IT" dirty="0"/>
-              <a:t>PRINT-RESULTS: modulo che stampa a video le case proposte.</a:t>
-            </a:r>
-          </a:p>
-          <a:p>
-            <a:pPr marL="285750" indent="-285750">
-              <a:buFont typeface="Arial" panose="020B0604020202020204" pitchFamily="34" charset="0"/>
-              <a:buChar char="•"/>
-            </a:pPr>
-            <a:endParaRPr lang="it-IT" dirty="0"/>
-          </a:p>
-          <a:p>
-            <a:r>
-              <a:rPr lang="it-IT" dirty="0"/>
-              <a:t>Per la terza e ultima fase abbiamo il modulo:</a:t>
-            </a:r>
-          </a:p>
-          <a:p>
-            <a:endParaRPr lang="it-IT" dirty="0"/>
-          </a:p>
-          <a:p>
-            <a:pPr marL="285750" indent="-285750">
-              <a:buFont typeface="Arial" panose="020B0604020202020204" pitchFamily="34" charset="0"/>
-              <a:buChar char="•"/>
-            </a:pPr>
-            <a:r>
-              <a:rPr lang="it-IT" dirty="0"/>
-              <a:t>UNKNOWN-REQUEST: modulo che permette all’utente di ridare una risposta precisa a domande a cui aveva risposto con «</a:t>
-            </a:r>
-            <a:r>
-              <a:rPr lang="it-IT" dirty="0" err="1"/>
-              <a:t>unknonwn</a:t>
-            </a:r>
-            <a:r>
-              <a:rPr lang="it-IT" dirty="0"/>
-              <a:t>». Per poterlo fase utilizziamo anche il modulo ASK-MORE che appunto mi va a modifica le risposte </a:t>
-            </a:r>
-            <a:r>
-              <a:rPr lang="it-IT" dirty="0" err="1"/>
-              <a:t>unknown</a:t>
-            </a:r>
-            <a:r>
-              <a:rPr lang="it-IT" dirty="0"/>
-              <a:t>.</a:t>
-            </a:r>
-          </a:p>
-          <a:p>
-            <a:pPr marL="285750" indent="-285750">
-              <a:buFont typeface="Arial" panose="020B0604020202020204" pitchFamily="34" charset="0"/>
-              <a:buChar char="•"/>
-            </a:pPr>
-            <a:endParaRPr lang="it-IT" dirty="0"/>
-          </a:p>
-          <a:p>
-            <a:endParaRPr lang="it-IT" dirty="0"/>
+              <a:t> fa subito un focus su i moduli che verranno usati per il ciclo di esecuzione del programma.</a:t>
+            </a:r>
           </a:p>
         </p:txBody>
       </p:sp>
@@ -3823,10 +3997,10 @@
       </p:grpSpPr>
       <p:sp>
         <p:nvSpPr>
-          <p:cNvPr id="2" name="CasellaDiTesto 1">
-            <a:extLst>
-              <a:ext uri="{FF2B5EF4-FFF2-40B4-BE49-F238E27FC236}">
-                <a16:creationId xmlns:a16="http://schemas.microsoft.com/office/drawing/2014/main" id="{C93DE436-E926-48E1-8910-661BC3A6FA0D}"/>
+          <p:cNvPr id="5" name="CasellaDiTesto 4">
+            <a:extLst>
+              <a:ext uri="{FF2B5EF4-FFF2-40B4-BE49-F238E27FC236}">
+                <a16:creationId xmlns:a16="http://schemas.microsoft.com/office/drawing/2014/main" id="{526DA626-4450-09A1-9D4B-1F96117A32CC}"/>
               </a:ext>
             </a:extLst>
           </p:cNvPr>
@@ -3835,8 +4009,8 @@
         </p:nvSpPr>
         <p:spPr>
           <a:xfrm>
-            <a:off x="292963" y="292963"/>
-            <a:ext cx="6951216" cy="2862322"/>
+            <a:off x="218661" y="372679"/>
+            <a:ext cx="5009321" cy="5632311"/>
           </a:xfrm>
           <a:prstGeom prst="rect">
             <a:avLst/>
@@ -3851,40 +4025,53 @@
           <a:p>
             <a:r>
               <a:rPr lang="it-IT" dirty="0"/>
-              <a:t>Il modulo house contiene la struttura della casa, definita dai suoi slot e per ognuno di esso abbiamo associato un attributo che usiamo per determinare le scelte delle case .</a:t>
+              <a:t>Il modulo PROFILING  contiene le regole per fare le domande contenute nel modulo FIRST-USER-QUESTIONS, in base alla risposta, verrà asserito un nuovo attributo tra i fatti che verrà utilizzato per fare un primo ragionamento e mostrare all’utente una prima scelta di case.</a:t>
+            </a:r>
+          </a:p>
+          <a:p>
+            <a:r>
+              <a:rPr lang="it-IT" dirty="0"/>
+              <a:t>Come si può notare le domande sono molto generiche che riguardano gli aspetti «privati» dell’utente appunto per fare una sua prima profilazione.</a:t>
             </a:r>
           </a:p>
           <a:p>
             <a:endParaRPr lang="it-IT" dirty="0"/>
           </a:p>
           <a:p>
-            <a:r>
-              <a:rPr lang="it-IT" dirty="0"/>
-              <a:t>Inoltre è presente anche il DB che contiene tutte le istanze delle case, abbiamo preso come riferimento Torino, Roma, Milano.</a:t>
-            </a:r>
-          </a:p>
-          <a:p>
             <a:endParaRPr lang="it-IT" dirty="0"/>
           </a:p>
           <a:p>
-            <a:r>
-              <a:rPr lang="it-IT" dirty="0"/>
-              <a:t>Abbiamo anche generate house che mi genera le case andando a selezionare il minimo tra CF degli attributi. Prendere il minimo è l’euristica che abbiamo adottato </a:t>
-            </a:r>
-            <a:r>
-              <a:rPr lang="it-IT"/>
-              <a:t>nella scelta dei CF.</a:t>
-            </a:r>
+            <a:endParaRPr lang="it-IT" dirty="0"/>
+          </a:p>
+          <a:p>
+            <a:endParaRPr lang="it-IT" dirty="0"/>
+          </a:p>
+          <a:p>
+            <a:endParaRPr lang="it-IT" dirty="0"/>
+          </a:p>
+          <a:p>
+            <a:endParaRPr lang="it-IT" dirty="0"/>
+          </a:p>
+          <a:p>
+            <a:endParaRPr lang="it-IT" dirty="0"/>
+          </a:p>
+          <a:p>
+            <a:endParaRPr lang="it-IT" dirty="0"/>
+          </a:p>
+          <a:p>
+            <a:endParaRPr lang="it-IT" dirty="0"/>
+          </a:p>
+          <a:p>
             <a:endParaRPr lang="it-IT" dirty="0"/>
           </a:p>
         </p:txBody>
       </p:sp>
       <p:pic>
         <p:nvPicPr>
-          <p:cNvPr id="4" name="Immagine 3">
-            <a:extLst>
-              <a:ext uri="{FF2B5EF4-FFF2-40B4-BE49-F238E27FC236}">
-                <a16:creationId xmlns:a16="http://schemas.microsoft.com/office/drawing/2014/main" id="{5974A133-0442-432E-9209-61ADBA9B0016}"/>
+          <p:cNvPr id="6" name="Immagine 5" descr="Immagine che contiene testo&#10;&#10;Descrizione generata automaticamente">
+            <a:extLst>
+              <a:ext uri="{FF2B5EF4-FFF2-40B4-BE49-F238E27FC236}">
+                <a16:creationId xmlns:a16="http://schemas.microsoft.com/office/drawing/2014/main" id="{8263042F-9119-277E-36D0-BFD93D9673A9}"/>
               </a:ext>
             </a:extLst>
           </p:cNvPr>
@@ -3894,15 +4081,21 @@
           <p:nvPr/>
         </p:nvPicPr>
         <p:blipFill>
-          <a:blip r:embed="rId2"/>
+          <a:blip r:embed="rId2">
+            <a:extLst>
+              <a:ext uri="{28A0092B-C50C-407E-A947-70E740481C1C}">
+                <a14:useLocalDpi xmlns:a14="http://schemas.microsoft.com/office/drawing/2010/main" val="0"/>
+              </a:ext>
+            </a:extLst>
+          </a:blip>
           <a:stretch>
             <a:fillRect/>
           </a:stretch>
         </p:blipFill>
         <p:spPr>
           <a:xfrm>
-            <a:off x="292963" y="3787817"/>
-            <a:ext cx="9222411" cy="2862321"/>
+            <a:off x="5546035" y="256793"/>
+            <a:ext cx="6625887" cy="5510954"/>
           </a:xfrm>
           <a:prstGeom prst="rect">
             <a:avLst/>
@@ -3911,10 +4104,10 @@
       </p:pic>
       <p:pic>
         <p:nvPicPr>
-          <p:cNvPr id="6" name="Immagine 5">
-            <a:extLst>
-              <a:ext uri="{FF2B5EF4-FFF2-40B4-BE49-F238E27FC236}">
-                <a16:creationId xmlns:a16="http://schemas.microsoft.com/office/drawing/2014/main" id="{13C9F781-6BF9-4341-8525-4E850065FB54}"/>
+          <p:cNvPr id="8" name="Immagine 7" descr="Immagine che contiene testo, cellulare, screenshot&#10;&#10;Descrizione generata automaticamente">
+            <a:extLst>
+              <a:ext uri="{FF2B5EF4-FFF2-40B4-BE49-F238E27FC236}">
+                <a16:creationId xmlns:a16="http://schemas.microsoft.com/office/drawing/2014/main" id="{EC7E70F8-92F0-413C-0C73-58137CDA101D}"/>
               </a:ext>
             </a:extLst>
           </p:cNvPr>
@@ -3924,15 +4117,21 @@
           <p:nvPr/>
         </p:nvPicPr>
         <p:blipFill>
-          <a:blip r:embed="rId3"/>
+          <a:blip r:embed="rId3">
+            <a:extLst>
+              <a:ext uri="{28A0092B-C50C-407E-A947-70E740481C1C}">
+                <a14:useLocalDpi xmlns:a14="http://schemas.microsoft.com/office/drawing/2010/main" val="0"/>
+              </a:ext>
+            </a:extLst>
+          </a:blip>
           <a:stretch>
             <a:fillRect/>
           </a:stretch>
         </p:blipFill>
         <p:spPr>
           <a:xfrm>
-            <a:off x="7093259" y="408372"/>
-            <a:ext cx="4699450" cy="5086905"/>
+            <a:off x="1017544" y="3164681"/>
+            <a:ext cx="4528492" cy="3693319"/>
           </a:xfrm>
           <a:prstGeom prst="rect">
             <a:avLst/>
@@ -3942,7 +4141,723 @@
     </p:spTree>
     <p:extLst>
       <p:ext uri="{BB962C8B-B14F-4D97-AF65-F5344CB8AC3E}">
-        <p14:creationId xmlns:p14="http://schemas.microsoft.com/office/powerpoint/2010/main" val="271840133"/>
+        <p14:creationId xmlns:p14="http://schemas.microsoft.com/office/powerpoint/2010/main" val="1206620542"/>
+      </p:ext>
+    </p:extLst>
+  </p:cSld>
+  <p:clrMapOvr>
+    <a:masterClrMapping/>
+  </p:clrMapOvr>
+</p:sld>
+</file>
+
+<file path=ppt/slides/slide5.xml><?xml version="1.0" encoding="utf-8"?>
+<p:sld xmlns:a="http://schemas.openxmlformats.org/drawingml/2006/main" xmlns:r="http://schemas.openxmlformats.org/officeDocument/2006/relationships" xmlns:p="http://schemas.openxmlformats.org/presentationml/2006/main">
+  <p:cSld>
+    <p:spTree>
+      <p:nvGrpSpPr>
+        <p:cNvPr id="1" name=""/>
+        <p:cNvGrpSpPr/>
+        <p:nvPr/>
+      </p:nvGrpSpPr>
+      <p:grpSpPr>
+        <a:xfrm>
+          <a:off x="0" y="0"/>
+          <a:ext cx="0" cy="0"/>
+          <a:chOff x="0" y="0"/>
+          <a:chExt cx="0" cy="0"/>
+        </a:xfrm>
+      </p:grpSpPr>
+      <p:sp>
+        <p:nvSpPr>
+          <p:cNvPr id="5" name="CasellaDiTesto 4">
+            <a:extLst>
+              <a:ext uri="{FF2B5EF4-FFF2-40B4-BE49-F238E27FC236}">
+                <a16:creationId xmlns:a16="http://schemas.microsoft.com/office/drawing/2014/main" id="{526DA626-4450-09A1-9D4B-1F96117A32CC}"/>
+              </a:ext>
+            </a:extLst>
+          </p:cNvPr>
+          <p:cNvSpPr txBox="1"/>
+          <p:nvPr/>
+        </p:nvSpPr>
+        <p:spPr>
+          <a:xfrm>
+            <a:off x="244940" y="521766"/>
+            <a:ext cx="3651199" cy="4524315"/>
+          </a:xfrm>
+          <a:prstGeom prst="rect">
+            <a:avLst/>
+          </a:prstGeom>
+          <a:noFill/>
+        </p:spPr>
+        <p:txBody>
+          <a:bodyPr wrap="square" rtlCol="0">
+            <a:spAutoFit/>
+          </a:bodyPr>
+          <a:lstStyle/>
+          <a:p>
+            <a:r>
+              <a:rPr lang="it-IT" dirty="0"/>
+              <a:t>Una volta risposto a tutte le domande parte il modulo CHOOSE-PROFILING-HOUSES che contiene i fatti rule() che contengono tutte le informazioni che utilizzeremo per fare il ragionamento. Possiamo intenderlo in questo modo seguendo lo screen qua a fianco: </a:t>
+            </a:r>
+          </a:p>
+          <a:p>
+            <a:r>
+              <a:rPr lang="it-IT" dirty="0"/>
+              <a:t>Se c’è un attributo </a:t>
+            </a:r>
+            <a:r>
+              <a:rPr lang="it-IT" dirty="0" err="1"/>
+              <a:t>zona_parenti</a:t>
+            </a:r>
+            <a:r>
+              <a:rPr lang="it-IT" dirty="0"/>
+              <a:t> con valore </a:t>
+            </a:r>
+            <a:r>
+              <a:rPr lang="it-IT" dirty="0" err="1"/>
+              <a:t>milano</a:t>
+            </a:r>
+            <a:r>
+              <a:rPr lang="it-IT" dirty="0"/>
+              <a:t> allora asseriamo 3 attributi migliore-citta con valore </a:t>
+            </a:r>
+            <a:r>
+              <a:rPr lang="it-IT" dirty="0" err="1"/>
+              <a:t>milano</a:t>
+            </a:r>
+            <a:r>
+              <a:rPr lang="it-IT" dirty="0"/>
+              <a:t>, </a:t>
+            </a:r>
+            <a:r>
+              <a:rPr lang="it-IT" dirty="0" err="1"/>
+              <a:t>torino</a:t>
+            </a:r>
+            <a:r>
+              <a:rPr lang="it-IT" dirty="0"/>
+              <a:t>, </a:t>
+            </a:r>
+            <a:r>
+              <a:rPr lang="it-IT" dirty="0" err="1"/>
+              <a:t>roma</a:t>
+            </a:r>
+            <a:r>
+              <a:rPr lang="it-IT" dirty="0"/>
+              <a:t> con CF 90,70,70.</a:t>
+            </a:r>
+          </a:p>
+          <a:p>
+            <a:r>
+              <a:rPr lang="it-IT" dirty="0"/>
+              <a:t>Chi si occupa di fare questo ragionamento e quindi creare questi attributi sarà il modulo RULES .</a:t>
+            </a:r>
+          </a:p>
+        </p:txBody>
+      </p:sp>
+      <p:pic>
+        <p:nvPicPr>
+          <p:cNvPr id="6" name="Immagine 5" descr="Immagine che contiene testo&#10;&#10;Descrizione generata automaticamente">
+            <a:extLst>
+              <a:ext uri="{FF2B5EF4-FFF2-40B4-BE49-F238E27FC236}">
+                <a16:creationId xmlns:a16="http://schemas.microsoft.com/office/drawing/2014/main" id="{E2C7042C-D3C9-0F31-E969-4F895697F8B3}"/>
+              </a:ext>
+            </a:extLst>
+          </p:cNvPr>
+          <p:cNvPicPr>
+            <a:picLocks noChangeAspect="1"/>
+          </p:cNvPicPr>
+          <p:nvPr/>
+        </p:nvPicPr>
+        <p:blipFill>
+          <a:blip r:embed="rId2">
+            <a:extLst>
+              <a:ext uri="{28A0092B-C50C-407E-A947-70E740481C1C}">
+                <a14:useLocalDpi xmlns:a14="http://schemas.microsoft.com/office/drawing/2010/main" val="0"/>
+              </a:ext>
+            </a:extLst>
+          </a:blip>
+          <a:stretch>
+            <a:fillRect/>
+          </a:stretch>
+        </p:blipFill>
+        <p:spPr>
+          <a:xfrm>
+            <a:off x="3896139" y="2860864"/>
+            <a:ext cx="3909608" cy="3997136"/>
+          </a:xfrm>
+          <a:prstGeom prst="rect">
+            <a:avLst/>
+          </a:prstGeom>
+        </p:spPr>
+      </p:pic>
+      <p:pic>
+        <p:nvPicPr>
+          <p:cNvPr id="8" name="Immagine 7" descr="Immagine che contiene testo&#10;&#10;Descrizione generata automaticamente">
+            <a:extLst>
+              <a:ext uri="{FF2B5EF4-FFF2-40B4-BE49-F238E27FC236}">
+                <a16:creationId xmlns:a16="http://schemas.microsoft.com/office/drawing/2014/main" id="{6C78A9C4-E033-2811-628E-715B0591D00E}"/>
+              </a:ext>
+            </a:extLst>
+          </p:cNvPr>
+          <p:cNvPicPr>
+            <a:picLocks noChangeAspect="1"/>
+          </p:cNvPicPr>
+          <p:nvPr/>
+        </p:nvPicPr>
+        <p:blipFill>
+          <a:blip r:embed="rId3">
+            <a:extLst>
+              <a:ext uri="{28A0092B-C50C-407E-A947-70E740481C1C}">
+                <a14:useLocalDpi xmlns:a14="http://schemas.microsoft.com/office/drawing/2010/main" val="0"/>
+              </a:ext>
+            </a:extLst>
+          </a:blip>
+          <a:stretch>
+            <a:fillRect/>
+          </a:stretch>
+        </p:blipFill>
+        <p:spPr>
+          <a:xfrm>
+            <a:off x="7773139" y="60591"/>
+            <a:ext cx="4408922" cy="3997136"/>
+          </a:xfrm>
+          <a:prstGeom prst="rect">
+            <a:avLst/>
+          </a:prstGeom>
+        </p:spPr>
+      </p:pic>
+    </p:spTree>
+    <p:extLst>
+      <p:ext uri="{BB962C8B-B14F-4D97-AF65-F5344CB8AC3E}">
+        <p14:creationId xmlns:p14="http://schemas.microsoft.com/office/powerpoint/2010/main" val="4106378978"/>
+      </p:ext>
+    </p:extLst>
+  </p:cSld>
+  <p:clrMapOvr>
+    <a:masterClrMapping/>
+  </p:clrMapOvr>
+</p:sld>
+</file>
+
+<file path=ppt/slides/slide6.xml><?xml version="1.0" encoding="utf-8"?>
+<p:sld xmlns:a="http://schemas.openxmlformats.org/drawingml/2006/main" xmlns:r="http://schemas.openxmlformats.org/officeDocument/2006/relationships" xmlns:p="http://schemas.openxmlformats.org/presentationml/2006/main">
+  <p:cSld>
+    <p:spTree>
+      <p:nvGrpSpPr>
+        <p:cNvPr id="1" name=""/>
+        <p:cNvGrpSpPr/>
+        <p:nvPr/>
+      </p:nvGrpSpPr>
+      <p:grpSpPr>
+        <a:xfrm>
+          <a:off x="0" y="0"/>
+          <a:ext cx="0" cy="0"/>
+          <a:chOff x="0" y="0"/>
+          <a:chExt cx="0" cy="0"/>
+        </a:xfrm>
+      </p:grpSpPr>
+      <p:sp>
+        <p:nvSpPr>
+          <p:cNvPr id="5" name="CasellaDiTesto 4">
+            <a:extLst>
+              <a:ext uri="{FF2B5EF4-FFF2-40B4-BE49-F238E27FC236}">
+                <a16:creationId xmlns:a16="http://schemas.microsoft.com/office/drawing/2014/main" id="{526DA626-4450-09A1-9D4B-1F96117A32CC}"/>
+              </a:ext>
+            </a:extLst>
+          </p:cNvPr>
+          <p:cNvSpPr txBox="1"/>
+          <p:nvPr/>
+        </p:nvSpPr>
+        <p:spPr>
+          <a:xfrm>
+            <a:off x="244940" y="521766"/>
+            <a:ext cx="3969251" cy="2031325"/>
+          </a:xfrm>
+          <a:prstGeom prst="rect">
+            <a:avLst/>
+          </a:prstGeom>
+          <a:noFill/>
+        </p:spPr>
+        <p:txBody>
+          <a:bodyPr wrap="square" rtlCol="0">
+            <a:spAutoFit/>
+          </a:bodyPr>
+          <a:lstStyle/>
+          <a:p>
+            <a:r>
+              <a:rPr lang="it-IT" dirty="0"/>
+              <a:t>Una volta finiti tutti i ragionamenti e creati tutti gli attributi utilizziamo il modulo HOUSE per stampare la case del nostro dataset che rispettano gli attributi creati che ci consentiranno appunto di decidere quali case proporre e quali no.</a:t>
+            </a:r>
+          </a:p>
+        </p:txBody>
+      </p:sp>
+      <p:pic>
+        <p:nvPicPr>
+          <p:cNvPr id="3" name="Immagine 2" descr="Immagine che contiene testo&#10;&#10;Descrizione generata automaticamente">
+            <a:extLst>
+              <a:ext uri="{FF2B5EF4-FFF2-40B4-BE49-F238E27FC236}">
+                <a16:creationId xmlns:a16="http://schemas.microsoft.com/office/drawing/2014/main" id="{5FB4D66F-727A-EAAD-0BB8-8E8E86A33886}"/>
+              </a:ext>
+            </a:extLst>
+          </p:cNvPr>
+          <p:cNvPicPr>
+            <a:picLocks noChangeAspect="1"/>
+          </p:cNvPicPr>
+          <p:nvPr/>
+        </p:nvPicPr>
+        <p:blipFill>
+          <a:blip r:embed="rId2">
+            <a:extLst>
+              <a:ext uri="{28A0092B-C50C-407E-A947-70E740481C1C}">
+                <a14:useLocalDpi xmlns:a14="http://schemas.microsoft.com/office/drawing/2010/main" val="0"/>
+              </a:ext>
+            </a:extLst>
+          </a:blip>
+          <a:stretch>
+            <a:fillRect/>
+          </a:stretch>
+        </p:blipFill>
+        <p:spPr>
+          <a:xfrm>
+            <a:off x="7142243" y="7492"/>
+            <a:ext cx="5049757" cy="4352135"/>
+          </a:xfrm>
+          <a:prstGeom prst="rect">
+            <a:avLst/>
+          </a:prstGeom>
+        </p:spPr>
+      </p:pic>
+      <p:pic>
+        <p:nvPicPr>
+          <p:cNvPr id="7" name="Immagine 6" descr="Immagine che contiene testo&#10;&#10;Descrizione generata automaticamente">
+            <a:extLst>
+              <a:ext uri="{FF2B5EF4-FFF2-40B4-BE49-F238E27FC236}">
+                <a16:creationId xmlns:a16="http://schemas.microsoft.com/office/drawing/2014/main" id="{137D79E5-A018-04B0-5198-BDDC692D539E}"/>
+              </a:ext>
+            </a:extLst>
+          </p:cNvPr>
+          <p:cNvPicPr>
+            <a:picLocks noChangeAspect="1"/>
+          </p:cNvPicPr>
+          <p:nvPr/>
+        </p:nvPicPr>
+        <p:blipFill>
+          <a:blip r:embed="rId3">
+            <a:extLst>
+              <a:ext uri="{28A0092B-C50C-407E-A947-70E740481C1C}">
+                <a14:useLocalDpi xmlns:a14="http://schemas.microsoft.com/office/drawing/2010/main" val="0"/>
+              </a:ext>
+            </a:extLst>
+          </a:blip>
+          <a:stretch>
+            <a:fillRect/>
+          </a:stretch>
+        </p:blipFill>
+        <p:spPr>
+          <a:xfrm>
+            <a:off x="7142243" y="4326589"/>
+            <a:ext cx="5049757" cy="2584576"/>
+          </a:xfrm>
+          <a:prstGeom prst="rect">
+            <a:avLst/>
+          </a:prstGeom>
+        </p:spPr>
+      </p:pic>
+      <p:pic>
+        <p:nvPicPr>
+          <p:cNvPr id="10" name="Immagine 9" descr="Immagine che contiene testo&#10;&#10;Descrizione generata automaticamente">
+            <a:extLst>
+              <a:ext uri="{FF2B5EF4-FFF2-40B4-BE49-F238E27FC236}">
+                <a16:creationId xmlns:a16="http://schemas.microsoft.com/office/drawing/2014/main" id="{7B3D26F1-6F93-0E3C-0977-F1FCA72BF829}"/>
+              </a:ext>
+            </a:extLst>
+          </p:cNvPr>
+          <p:cNvPicPr>
+            <a:picLocks noChangeAspect="1"/>
+          </p:cNvPicPr>
+          <p:nvPr/>
+        </p:nvPicPr>
+        <p:blipFill>
+          <a:blip r:embed="rId4">
+            <a:extLst>
+              <a:ext uri="{28A0092B-C50C-407E-A947-70E740481C1C}">
+                <a14:useLocalDpi xmlns:a14="http://schemas.microsoft.com/office/drawing/2010/main" val="0"/>
+              </a:ext>
+            </a:extLst>
+          </a:blip>
+          <a:stretch>
+            <a:fillRect/>
+          </a:stretch>
+        </p:blipFill>
+        <p:spPr>
+          <a:xfrm>
+            <a:off x="0" y="3279912"/>
+            <a:ext cx="6984353" cy="2765591"/>
+          </a:xfrm>
+          <a:prstGeom prst="rect">
+            <a:avLst/>
+          </a:prstGeom>
+        </p:spPr>
+      </p:pic>
+    </p:spTree>
+    <p:extLst>
+      <p:ext uri="{BB962C8B-B14F-4D97-AF65-F5344CB8AC3E}">
+        <p14:creationId xmlns:p14="http://schemas.microsoft.com/office/powerpoint/2010/main" val="2148933535"/>
+      </p:ext>
+    </p:extLst>
+  </p:cSld>
+  <p:clrMapOvr>
+    <a:masterClrMapping/>
+  </p:clrMapOvr>
+</p:sld>
+</file>
+
+<file path=ppt/slides/slide7.xml><?xml version="1.0" encoding="utf-8"?>
+<p:sld xmlns:a="http://schemas.openxmlformats.org/drawingml/2006/main" xmlns:r="http://schemas.openxmlformats.org/officeDocument/2006/relationships" xmlns:p="http://schemas.openxmlformats.org/presentationml/2006/main">
+  <p:cSld>
+    <p:spTree>
+      <p:nvGrpSpPr>
+        <p:cNvPr id="1" name=""/>
+        <p:cNvGrpSpPr/>
+        <p:nvPr/>
+      </p:nvGrpSpPr>
+      <p:grpSpPr>
+        <a:xfrm>
+          <a:off x="0" y="0"/>
+          <a:ext cx="0" cy="0"/>
+          <a:chOff x="0" y="0"/>
+          <a:chExt cx="0" cy="0"/>
+        </a:xfrm>
+      </p:grpSpPr>
+      <p:sp>
+        <p:nvSpPr>
+          <p:cNvPr id="5" name="CasellaDiTesto 4">
+            <a:extLst>
+              <a:ext uri="{FF2B5EF4-FFF2-40B4-BE49-F238E27FC236}">
+                <a16:creationId xmlns:a16="http://schemas.microsoft.com/office/drawing/2014/main" id="{526DA626-4450-09A1-9D4B-1F96117A32CC}"/>
+              </a:ext>
+            </a:extLst>
+          </p:cNvPr>
+          <p:cNvSpPr txBox="1"/>
+          <p:nvPr/>
+        </p:nvSpPr>
+        <p:spPr>
+          <a:xfrm>
+            <a:off x="0" y="2650695"/>
+            <a:ext cx="3720773" cy="923330"/>
+          </a:xfrm>
+          <a:prstGeom prst="rect">
+            <a:avLst/>
+          </a:prstGeom>
+          <a:noFill/>
+        </p:spPr>
+        <p:txBody>
+          <a:bodyPr wrap="square" rtlCol="0">
+            <a:spAutoFit/>
+          </a:bodyPr>
+          <a:lstStyle/>
+          <a:p>
+            <a:r>
+              <a:rPr lang="it-IT" dirty="0"/>
+              <a:t>A questo punto abbiamo scelto le case da proporre e tramite il modulo PRINT-RESULT stampiamole.</a:t>
+            </a:r>
+          </a:p>
+        </p:txBody>
+      </p:sp>
+      <p:pic>
+        <p:nvPicPr>
+          <p:cNvPr id="4" name="Immagine 3" descr="Immagine che contiene testo&#10;&#10;Descrizione generata automaticamente">
+            <a:extLst>
+              <a:ext uri="{FF2B5EF4-FFF2-40B4-BE49-F238E27FC236}">
+                <a16:creationId xmlns:a16="http://schemas.microsoft.com/office/drawing/2014/main" id="{289474E0-DF4B-2FC2-6182-0CD7751344F4}"/>
+              </a:ext>
+            </a:extLst>
+          </p:cNvPr>
+          <p:cNvPicPr>
+            <a:picLocks noChangeAspect="1"/>
+          </p:cNvPicPr>
+          <p:nvPr/>
+        </p:nvPicPr>
+        <p:blipFill>
+          <a:blip r:embed="rId2">
+            <a:extLst>
+              <a:ext uri="{28A0092B-C50C-407E-A947-70E740481C1C}">
+                <a14:useLocalDpi xmlns:a14="http://schemas.microsoft.com/office/drawing/2010/main" val="0"/>
+              </a:ext>
+            </a:extLst>
+          </a:blip>
+          <a:stretch>
+            <a:fillRect/>
+          </a:stretch>
+        </p:blipFill>
+        <p:spPr>
+          <a:xfrm>
+            <a:off x="3755337" y="1445096"/>
+            <a:ext cx="8444948" cy="4257858"/>
+          </a:xfrm>
+          <a:prstGeom prst="rect">
+            <a:avLst/>
+          </a:prstGeom>
+        </p:spPr>
+      </p:pic>
+    </p:spTree>
+    <p:extLst>
+      <p:ext uri="{BB962C8B-B14F-4D97-AF65-F5344CB8AC3E}">
+        <p14:creationId xmlns:p14="http://schemas.microsoft.com/office/powerpoint/2010/main" val="828634857"/>
+      </p:ext>
+    </p:extLst>
+  </p:cSld>
+  <p:clrMapOvr>
+    <a:masterClrMapping/>
+  </p:clrMapOvr>
+</p:sld>
+</file>
+
+<file path=ppt/slides/slide8.xml><?xml version="1.0" encoding="utf-8"?>
+<p:sld xmlns:a="http://schemas.openxmlformats.org/drawingml/2006/main" xmlns:r="http://schemas.openxmlformats.org/officeDocument/2006/relationships" xmlns:p="http://schemas.openxmlformats.org/presentationml/2006/main">
+  <p:cSld>
+    <p:spTree>
+      <p:nvGrpSpPr>
+        <p:cNvPr id="1" name=""/>
+        <p:cNvGrpSpPr/>
+        <p:nvPr/>
+      </p:nvGrpSpPr>
+      <p:grpSpPr>
+        <a:xfrm>
+          <a:off x="0" y="0"/>
+          <a:ext cx="0" cy="0"/>
+          <a:chOff x="0" y="0"/>
+          <a:chExt cx="0" cy="0"/>
+        </a:xfrm>
+      </p:grpSpPr>
+      <p:pic>
+        <p:nvPicPr>
+          <p:cNvPr id="5" name="Immagine 4" descr="Immagine che contiene testo&#10;&#10;Descrizione generata automaticamente">
+            <a:extLst>
+              <a:ext uri="{FF2B5EF4-FFF2-40B4-BE49-F238E27FC236}">
+                <a16:creationId xmlns:a16="http://schemas.microsoft.com/office/drawing/2014/main" id="{6CCF70BF-F039-8DEB-DC3F-BD829FC0F97E}"/>
+              </a:ext>
+            </a:extLst>
+          </p:cNvPr>
+          <p:cNvPicPr>
+            <a:picLocks noChangeAspect="1"/>
+          </p:cNvPicPr>
+          <p:nvPr/>
+        </p:nvPicPr>
+        <p:blipFill>
+          <a:blip r:embed="rId2">
+            <a:extLst>
+              <a:ext uri="{28A0092B-C50C-407E-A947-70E740481C1C}">
+                <a14:useLocalDpi xmlns:a14="http://schemas.microsoft.com/office/drawing/2010/main" val="0"/>
+              </a:ext>
+            </a:extLst>
+          </a:blip>
+          <a:stretch>
+            <a:fillRect/>
+          </a:stretch>
+        </p:blipFill>
+        <p:spPr>
+          <a:xfrm>
+            <a:off x="5399481" y="29817"/>
+            <a:ext cx="6617823" cy="4532243"/>
+          </a:xfrm>
+          <a:prstGeom prst="rect">
+            <a:avLst/>
+          </a:prstGeom>
+        </p:spPr>
+      </p:pic>
+      <p:pic>
+        <p:nvPicPr>
+          <p:cNvPr id="7" name="Immagine 6" descr="Immagine che contiene testo, cellulare, telefono, screenshot&#10;&#10;Descrizione generata automaticamente">
+            <a:extLst>
+              <a:ext uri="{FF2B5EF4-FFF2-40B4-BE49-F238E27FC236}">
+                <a16:creationId xmlns:a16="http://schemas.microsoft.com/office/drawing/2014/main" id="{23914276-39CA-5746-AB5F-7A6C4FC72EB2}"/>
+              </a:ext>
+            </a:extLst>
+          </p:cNvPr>
+          <p:cNvPicPr>
+            <a:picLocks noChangeAspect="1"/>
+          </p:cNvPicPr>
+          <p:nvPr/>
+        </p:nvPicPr>
+        <p:blipFill>
+          <a:blip r:embed="rId3">
+            <a:extLst>
+              <a:ext uri="{28A0092B-C50C-407E-A947-70E740481C1C}">
+                <a14:useLocalDpi xmlns:a14="http://schemas.microsoft.com/office/drawing/2010/main" val="0"/>
+              </a:ext>
+            </a:extLst>
+          </a:blip>
+          <a:stretch>
+            <a:fillRect/>
+          </a:stretch>
+        </p:blipFill>
+        <p:spPr>
+          <a:xfrm>
+            <a:off x="765312" y="844517"/>
+            <a:ext cx="4298225" cy="4039229"/>
+          </a:xfrm>
+          <a:prstGeom prst="rect">
+            <a:avLst/>
+          </a:prstGeom>
+        </p:spPr>
+      </p:pic>
+    </p:spTree>
+    <p:extLst>
+      <p:ext uri="{BB962C8B-B14F-4D97-AF65-F5344CB8AC3E}">
+        <p14:creationId xmlns:p14="http://schemas.microsoft.com/office/powerpoint/2010/main" val="2896707498"/>
+      </p:ext>
+    </p:extLst>
+  </p:cSld>
+  <p:clrMapOvr>
+    <a:masterClrMapping/>
+  </p:clrMapOvr>
+</p:sld>
+</file>
+
+<file path=ppt/slides/slide9.xml><?xml version="1.0" encoding="utf-8"?>
+<p:sld xmlns:a="http://schemas.openxmlformats.org/drawingml/2006/main" xmlns:r="http://schemas.openxmlformats.org/officeDocument/2006/relationships" xmlns:p="http://schemas.openxmlformats.org/presentationml/2006/main">
+  <p:cSld>
+    <p:spTree>
+      <p:nvGrpSpPr>
+        <p:cNvPr id="1" name=""/>
+        <p:cNvGrpSpPr/>
+        <p:nvPr/>
+      </p:nvGrpSpPr>
+      <p:grpSpPr>
+        <a:xfrm>
+          <a:off x="0" y="0"/>
+          <a:ext cx="0" cy="0"/>
+          <a:chOff x="0" y="0"/>
+          <a:chExt cx="0" cy="0"/>
+        </a:xfrm>
+      </p:grpSpPr>
+      <p:pic>
+        <p:nvPicPr>
+          <p:cNvPr id="4" name="Immagine 3" descr="Immagine che contiene testo&#10;&#10;Descrizione generata automaticamente">
+            <a:extLst>
+              <a:ext uri="{FF2B5EF4-FFF2-40B4-BE49-F238E27FC236}">
+                <a16:creationId xmlns:a16="http://schemas.microsoft.com/office/drawing/2014/main" id="{894F7E39-3A15-3C5B-DD9C-29178193AA67}"/>
+              </a:ext>
+            </a:extLst>
+          </p:cNvPr>
+          <p:cNvPicPr>
+            <a:picLocks noChangeAspect="1"/>
+          </p:cNvPicPr>
+          <p:nvPr/>
+        </p:nvPicPr>
+        <p:blipFill>
+          <a:blip r:embed="rId2">
+            <a:extLst>
+              <a:ext uri="{28A0092B-C50C-407E-A947-70E740481C1C}">
+                <a14:useLocalDpi xmlns:a14="http://schemas.microsoft.com/office/drawing/2010/main" val="0"/>
+              </a:ext>
+            </a:extLst>
+          </a:blip>
+          <a:stretch>
+            <a:fillRect/>
+          </a:stretch>
+        </p:blipFill>
+        <p:spPr>
+          <a:xfrm>
+            <a:off x="6887818" y="617414"/>
+            <a:ext cx="3819444" cy="4908744"/>
+          </a:xfrm>
+          <a:prstGeom prst="rect">
+            <a:avLst/>
+          </a:prstGeom>
+        </p:spPr>
+      </p:pic>
+      <p:pic>
+        <p:nvPicPr>
+          <p:cNvPr id="3" name="Immagine 2" descr="Immagine che contiene testo&#10;&#10;Descrizione generata automaticamente">
+            <a:extLst>
+              <a:ext uri="{FF2B5EF4-FFF2-40B4-BE49-F238E27FC236}">
+                <a16:creationId xmlns:a16="http://schemas.microsoft.com/office/drawing/2014/main" id="{BAB96544-D4ED-6358-D76B-DBAA53FF7EC5}"/>
+              </a:ext>
+            </a:extLst>
+          </p:cNvPr>
+          <p:cNvPicPr>
+            <a:picLocks noChangeAspect="1"/>
+          </p:cNvPicPr>
+          <p:nvPr/>
+        </p:nvPicPr>
+        <p:blipFill>
+          <a:blip r:embed="rId3">
+            <a:extLst>
+              <a:ext uri="{28A0092B-C50C-407E-A947-70E740481C1C}">
+                <a14:useLocalDpi xmlns:a14="http://schemas.microsoft.com/office/drawing/2010/main" val="0"/>
+              </a:ext>
+            </a:extLst>
+          </a:blip>
+          <a:stretch>
+            <a:fillRect/>
+          </a:stretch>
+        </p:blipFill>
+        <p:spPr>
+          <a:xfrm>
+            <a:off x="1815911" y="3339549"/>
+            <a:ext cx="4992394" cy="3419062"/>
+          </a:xfrm>
+          <a:prstGeom prst="rect">
+            <a:avLst/>
+          </a:prstGeom>
+        </p:spPr>
+      </p:pic>
+      <p:sp>
+        <p:nvSpPr>
+          <p:cNvPr id="6" name="CasellaDiTesto 5">
+            <a:extLst>
+              <a:ext uri="{FF2B5EF4-FFF2-40B4-BE49-F238E27FC236}">
+                <a16:creationId xmlns:a16="http://schemas.microsoft.com/office/drawing/2014/main" id="{E8A6F259-6394-DF3F-A489-A7844A9BC5DF}"/>
+              </a:ext>
+            </a:extLst>
+          </p:cNvPr>
+          <p:cNvSpPr txBox="1"/>
+          <p:nvPr/>
+        </p:nvSpPr>
+        <p:spPr>
+          <a:xfrm>
+            <a:off x="1484738" y="392992"/>
+            <a:ext cx="4436165" cy="2308324"/>
+          </a:xfrm>
+          <a:prstGeom prst="rect">
+            <a:avLst/>
+          </a:prstGeom>
+          <a:noFill/>
+        </p:spPr>
+        <p:txBody>
+          <a:bodyPr wrap="square" rtlCol="0">
+            <a:spAutoFit/>
+          </a:bodyPr>
+          <a:lstStyle/>
+          <a:p>
+            <a:r>
+              <a:rPr lang="it-IT" dirty="0"/>
+              <a:t>Da qua in poi si comporta come la fase di profiling quindi per scegliere quali case del dataset usare e poi </a:t>
+            </a:r>
+            <a:r>
+              <a:rPr lang="it-IT" dirty="0" err="1"/>
+              <a:t>printa</a:t>
+            </a:r>
+            <a:r>
+              <a:rPr lang="it-IT" dirty="0"/>
+              <a:t> quindi sintetizza, non ha senso ripeterlo . </a:t>
+            </a:r>
+          </a:p>
+          <a:p>
+            <a:r>
+              <a:rPr lang="it-IT" dirty="0"/>
+              <a:t>Dopo c’è la fase di UNKNOWN REQUEST, anche li , a parte i 2 moduli iniziali poi si ripete tutto quindi sintetizza la parte che si ripete</a:t>
+            </a:r>
+          </a:p>
+        </p:txBody>
+      </p:sp>
+    </p:spTree>
+    <p:extLst>
+      <p:ext uri="{BB962C8B-B14F-4D97-AF65-F5344CB8AC3E}">
+        <p14:creationId xmlns:p14="http://schemas.microsoft.com/office/powerpoint/2010/main" val="665347014"/>
       </p:ext>
     </p:extLst>
   </p:cSld>

--- a/Presentazioni/Presentazione_Clips.pptx
+++ b/Presentazioni/Presentazione_Clips.pptx
@@ -3521,42 +3521,58 @@
           </a:prstGeom>
         </p:spPr>
       </p:pic>
-      <p:pic>
-        <p:nvPicPr>
-          <p:cNvPr id="8" name="Immagine 7" descr="Immagine che contiene testo&#10;&#10;Descrizione generata automaticamente">
-            <a:extLst>
-              <a:ext uri="{FF2B5EF4-FFF2-40B4-BE49-F238E27FC236}">
-                <a16:creationId xmlns:a16="http://schemas.microsoft.com/office/drawing/2014/main" id="{0B4738AB-EFA1-9940-4F84-CCDCF8430AF9}"/>
-              </a:ext>
-            </a:extLst>
-          </p:cNvPr>
-          <p:cNvPicPr>
-            <a:picLocks noChangeAspect="1"/>
-          </p:cNvPicPr>
+      <p:sp>
+        <p:nvSpPr>
+          <p:cNvPr id="7" name="CasellaDiTesto 6">
+            <a:extLst>
+              <a:ext uri="{FF2B5EF4-FFF2-40B4-BE49-F238E27FC236}">
+                <a16:creationId xmlns:a16="http://schemas.microsoft.com/office/drawing/2014/main" id="{D04C480A-4D36-4C6B-AD77-975A9F7F27A1}"/>
+              </a:ext>
+            </a:extLst>
+          </p:cNvPr>
+          <p:cNvSpPr txBox="1"/>
           <p:nvPr/>
-        </p:nvPicPr>
-        <p:blipFill>
-          <a:blip r:embed="rId4">
-            <a:extLst>
-              <a:ext uri="{28A0092B-C50C-407E-A947-70E740481C1C}">
-                <a14:useLocalDpi xmlns:a14="http://schemas.microsoft.com/office/drawing/2010/main" val="0"/>
-              </a:ext>
-            </a:extLst>
-          </a:blip>
-          <a:stretch>
-            <a:fillRect/>
-          </a:stretch>
-        </p:blipFill>
-        <p:spPr>
-          <a:xfrm>
-            <a:off x="5908463" y="4622810"/>
-            <a:ext cx="5816753" cy="1634268"/>
+        </p:nvSpPr>
+        <p:spPr>
+          <a:xfrm>
+            <a:off x="159817" y="4590625"/>
+            <a:ext cx="11816159" cy="1477328"/>
           </a:xfrm>
           <a:prstGeom prst="rect">
             <a:avLst/>
           </a:prstGeom>
-        </p:spPr>
-      </p:pic>
+          <a:noFill/>
+        </p:spPr>
+        <p:txBody>
+          <a:bodyPr wrap="square">
+            <a:spAutoFit/>
+          </a:bodyPr>
+          <a:lstStyle/>
+          <a:p>
+            <a:r>
+              <a:rPr lang="it-IT" dirty="0"/>
+              <a:t>Finita la seconda fase, nel caso in cui l’utente abbiamo risposto con «non so» ad alcune domande si attiva il modulo UNKNOWN-REQUEST che chiede all’utente se vuole aggiungere delle risposte che prima non sapeva.</a:t>
+            </a:r>
+          </a:p>
+          <a:p>
+            <a:endParaRPr lang="it-IT" dirty="0"/>
+          </a:p>
+          <a:p>
+            <a:r>
+              <a:rPr lang="it-IT" dirty="0"/>
+              <a:t>Il modulo ASK-MORE verifica in quali domande l’utente ha dato come risposta «</a:t>
+            </a:r>
+            <a:r>
+              <a:rPr lang="it-IT" dirty="0" err="1"/>
+              <a:t>unknown</a:t>
+            </a:r>
+            <a:r>
+              <a:rPr lang="it-IT" dirty="0"/>
+              <a:t>» e gli permette di modifica la sua risposta, dandone una precisa. Così facendo il sistema avrà maggiori informazioni per selezionare le case migliori.</a:t>
+            </a:r>
+          </a:p>
+        </p:txBody>
+      </p:sp>
     </p:spTree>
     <p:extLst>
       <p:ext uri="{BB962C8B-B14F-4D97-AF65-F5344CB8AC3E}">
@@ -3615,7 +3631,7 @@
         </p:blipFill>
         <p:spPr>
           <a:xfrm>
-            <a:off x="2518863" y="1310789"/>
+            <a:off x="2119368" y="449655"/>
             <a:ext cx="7154273" cy="2010056"/>
           </a:xfrm>
           <a:prstGeom prst="rect">
@@ -3623,6 +3639,62 @@
           </a:prstGeom>
         </p:spPr>
       </p:pic>
+      <p:sp>
+        <p:nvSpPr>
+          <p:cNvPr id="3" name="CasellaDiTesto 2">
+            <a:extLst>
+              <a:ext uri="{FF2B5EF4-FFF2-40B4-BE49-F238E27FC236}">
+                <a16:creationId xmlns:a16="http://schemas.microsoft.com/office/drawing/2014/main" id="{E57BBB2C-F7A1-4AFB-8FBF-7C25C648598F}"/>
+              </a:ext>
+            </a:extLst>
+          </p:cNvPr>
+          <p:cNvSpPr txBox="1"/>
+          <p:nvPr/>
+        </p:nvSpPr>
+        <p:spPr>
+          <a:xfrm>
+            <a:off x="479394" y="2920753"/>
+            <a:ext cx="11363418" cy="3416320"/>
+          </a:xfrm>
+          <a:prstGeom prst="rect">
+            <a:avLst/>
+          </a:prstGeom>
+          <a:noFill/>
+        </p:spPr>
+        <p:txBody>
+          <a:bodyPr wrap="square" rtlCol="0">
+            <a:spAutoFit/>
+          </a:bodyPr>
+          <a:lstStyle/>
+          <a:p>
+            <a:r>
+              <a:rPr lang="it-IT" dirty="0"/>
+              <a:t>L’esecuzione di questa terza fase è gestita tramite il focus che attiva ASK-MORE precedentemente menzionato e in seguito vengono utilizzati gli stessi moduli già precedentemente usati per scegliere e stampare le case nelle fasi precedenti.</a:t>
+            </a:r>
+          </a:p>
+          <a:p>
+            <a:endParaRPr lang="it-IT" dirty="0"/>
+          </a:p>
+          <a:p>
+            <a:r>
+              <a:rPr lang="it-IT" dirty="0"/>
+              <a:t>La scelta di aggiungere delle informazioni che prima non si conoscevano non è vincolante per l’utente che interagisce con il sistema esperto, infatti rispondendo no l’esecuzione si conclude e i risultati validi rimangono quelli ottenuti dopo la seconda fase.</a:t>
+            </a:r>
+          </a:p>
+          <a:p>
+            <a:endParaRPr lang="it-IT" dirty="0"/>
+          </a:p>
+          <a:p>
+            <a:r>
+              <a:rPr lang="it-IT" dirty="0"/>
+              <a:t>Abbiamo utilizzato solo un vincolo forte come scelta implementativa per garantire sempre una soluzione. Questo perché, facendo delle prove, ci siamo accorti che con il limitato DB di case che abbiamo a disposizione mettendo regole troppo stringenti alcune volte capitava di non ottenere nessuna casa come risultato finale.</a:t>
+            </a:r>
+          </a:p>
+          <a:p>
+            <a:endParaRPr lang="it-IT" dirty="0"/>
+          </a:p>
+        </p:txBody>
+      </p:sp>
     </p:spTree>
     <p:extLst>
       <p:ext uri="{BB962C8B-B14F-4D97-AF65-F5344CB8AC3E}">
@@ -4387,7 +4459,7 @@
           <a:p>
             <a:r>
               <a:rPr lang="it-IT" dirty="0"/>
-              <a:t>Una volta finiti tutti i ragionamenti e creati tutti gli attributi utilizziamo il modulo HOUSE per stampare la case del nostro dataset che rispettano gli attributi creati che ci consentiranno appunto di decidere quali case proporre e quali no.</a:t>
+              <a:t>Una volta finiti tutti i ragionamenti e creati tutti gli attributi utilizziamo il modulo HOUSE per stampare le case del nostro dataset che rispettano gli attributi creati che ci consentiranno appunto di decidere quali case proporre e quali no.</a:t>
             </a:r>
           </a:p>
         </p:txBody>
@@ -4659,7 +4731,7 @@
         </p:blipFill>
         <p:spPr>
           <a:xfrm>
-            <a:off x="5399481" y="29817"/>
+            <a:off x="5071007" y="134303"/>
             <a:ext cx="6617823" cy="4532243"/>
           </a:xfrm>
           <a:prstGeom prst="rect">
@@ -4695,7 +4767,7 @@
         </p:blipFill>
         <p:spPr>
           <a:xfrm>
-            <a:off x="765312" y="844517"/>
+            <a:off x="294795" y="134303"/>
             <a:ext cx="4298225" cy="4039229"/>
           </a:xfrm>
           <a:prstGeom prst="rect">
@@ -4703,6 +4775,58 @@
           </a:prstGeom>
         </p:spPr>
       </p:pic>
+      <p:sp>
+        <p:nvSpPr>
+          <p:cNvPr id="2" name="CasellaDiTesto 1">
+            <a:extLst>
+              <a:ext uri="{FF2B5EF4-FFF2-40B4-BE49-F238E27FC236}">
+                <a16:creationId xmlns:a16="http://schemas.microsoft.com/office/drawing/2014/main" id="{490F0FEC-04AE-4F79-B9AA-73CCCA15A599}"/>
+              </a:ext>
+            </a:extLst>
+          </p:cNvPr>
+          <p:cNvSpPr txBox="1"/>
+          <p:nvPr/>
+        </p:nvSpPr>
+        <p:spPr>
+          <a:xfrm>
+            <a:off x="221942" y="4758431"/>
+            <a:ext cx="11466888" cy="1754326"/>
+          </a:xfrm>
+          <a:prstGeom prst="rect">
+            <a:avLst/>
+          </a:prstGeom>
+          <a:noFill/>
+        </p:spPr>
+        <p:txBody>
+          <a:bodyPr wrap="square" rtlCol="0">
+            <a:spAutoFit/>
+          </a:bodyPr>
+          <a:lstStyle/>
+          <a:p>
+            <a:r>
+              <a:rPr lang="it-IT" dirty="0"/>
+              <a:t>Finita la parte di profilazione all’utente vengono fatte delle domande specifiche sulla casa che sta cercando. Potrà dire quante stanze cerca o che tipi di servizi vuole vicino a casa. Ad alcune domande è consentito rispondere con «</a:t>
+            </a:r>
+            <a:r>
+              <a:rPr lang="it-IT" dirty="0" err="1"/>
+              <a:t>unknown</a:t>
+            </a:r>
+            <a:r>
+              <a:rPr lang="it-IT" dirty="0"/>
+              <a:t>» in caso non si sappia ancora cosa rispondere.</a:t>
+            </a:r>
+          </a:p>
+          <a:p>
+            <a:endParaRPr lang="it-IT" dirty="0"/>
+          </a:p>
+          <a:p>
+            <a:r>
+              <a:rPr lang="it-IT" dirty="0"/>
+              <a:t>Il modulo QUESTIONS definisce il template della domanda andando a verificare (come succede anche per la profilazione) se i precursori di alcune domande sono già stati soddisfatti per poterle sottoporre all’utente</a:t>
+            </a:r>
+          </a:p>
+        </p:txBody>
+      </p:sp>
     </p:spTree>
     <p:extLst>
       <p:ext uri="{BB962C8B-B14F-4D97-AF65-F5344CB8AC3E}">
@@ -4769,12 +4893,50 @@
           </a:prstGeom>
         </p:spPr>
       </p:pic>
+      <p:sp>
+        <p:nvSpPr>
+          <p:cNvPr id="6" name="CasellaDiTesto 5">
+            <a:extLst>
+              <a:ext uri="{FF2B5EF4-FFF2-40B4-BE49-F238E27FC236}">
+                <a16:creationId xmlns:a16="http://schemas.microsoft.com/office/drawing/2014/main" id="{E8A6F259-6394-DF3F-A489-A7844A9BC5DF}"/>
+              </a:ext>
+            </a:extLst>
+          </p:cNvPr>
+          <p:cNvSpPr txBox="1"/>
+          <p:nvPr/>
+        </p:nvSpPr>
+        <p:spPr>
+          <a:xfrm>
+            <a:off x="161965" y="148749"/>
+            <a:ext cx="4436165" cy="2862322"/>
+          </a:xfrm>
+          <a:prstGeom prst="rect">
+            <a:avLst/>
+          </a:prstGeom>
+          <a:noFill/>
+        </p:spPr>
+        <p:txBody>
+          <a:bodyPr wrap="square" rtlCol="0">
+            <a:spAutoFit/>
+          </a:bodyPr>
+          <a:lstStyle/>
+          <a:p>
+            <a:r>
+              <a:rPr lang="it-IT" dirty="0"/>
+              <a:t>Come avviene già nella fase di profiling il modulo CHOOSE-HUOSES va ad assegnare un CF per ogni attributo utilizzato per la scelta della/e migliori case presenti nel DB da presentare all’utente. Sarà come già detto il modulo RULE con il quale asseriamo un attributo con un CF che combina il CF accumulato dalla regola con quello dato a priori (inizialmente 100).</a:t>
+            </a:r>
+          </a:p>
+          <a:p>
+            <a:endParaRPr lang="it-IT" dirty="0"/>
+          </a:p>
+        </p:txBody>
+      </p:sp>
       <p:pic>
         <p:nvPicPr>
-          <p:cNvPr id="3" name="Immagine 2" descr="Immagine che contiene testo&#10;&#10;Descrizione generata automaticamente">
-            <a:extLst>
-              <a:ext uri="{FF2B5EF4-FFF2-40B4-BE49-F238E27FC236}">
-                <a16:creationId xmlns:a16="http://schemas.microsoft.com/office/drawing/2014/main" id="{BAB96544-D4ED-6358-D76B-DBAA53FF7EC5}"/>
+          <p:cNvPr id="5" name="Immagine 4" descr="Immagine che contiene testo&#10;&#10;Descrizione generata automaticamente">
+            <a:extLst>
+              <a:ext uri="{FF2B5EF4-FFF2-40B4-BE49-F238E27FC236}">
+                <a16:creationId xmlns:a16="http://schemas.microsoft.com/office/drawing/2014/main" id="{34ACEE02-887A-43C7-AE58-43B1A371F9B6}"/>
               </a:ext>
             </a:extLst>
           </p:cNvPr>
@@ -4797,63 +4959,14 @@
         </p:blipFill>
         <p:spPr>
           <a:xfrm>
-            <a:off x="1815911" y="3339549"/>
-            <a:ext cx="4992394" cy="3419062"/>
+            <a:off x="2135820" y="2712115"/>
+            <a:ext cx="4408922" cy="3997136"/>
           </a:xfrm>
           <a:prstGeom prst="rect">
             <a:avLst/>
           </a:prstGeom>
         </p:spPr>
       </p:pic>
-      <p:sp>
-        <p:nvSpPr>
-          <p:cNvPr id="6" name="CasellaDiTesto 5">
-            <a:extLst>
-              <a:ext uri="{FF2B5EF4-FFF2-40B4-BE49-F238E27FC236}">
-                <a16:creationId xmlns:a16="http://schemas.microsoft.com/office/drawing/2014/main" id="{E8A6F259-6394-DF3F-A489-A7844A9BC5DF}"/>
-              </a:ext>
-            </a:extLst>
-          </p:cNvPr>
-          <p:cNvSpPr txBox="1"/>
-          <p:nvPr/>
-        </p:nvSpPr>
-        <p:spPr>
-          <a:xfrm>
-            <a:off x="1484738" y="392992"/>
-            <a:ext cx="4436165" cy="2308324"/>
-          </a:xfrm>
-          <a:prstGeom prst="rect">
-            <a:avLst/>
-          </a:prstGeom>
-          <a:noFill/>
-        </p:spPr>
-        <p:txBody>
-          <a:bodyPr wrap="square" rtlCol="0">
-            <a:spAutoFit/>
-          </a:bodyPr>
-          <a:lstStyle/>
-          <a:p>
-            <a:r>
-              <a:rPr lang="it-IT" dirty="0"/>
-              <a:t>Da qua in poi si comporta come la fase di profiling quindi per scegliere quali case del dataset usare e poi </a:t>
-            </a:r>
-            <a:r>
-              <a:rPr lang="it-IT" dirty="0" err="1"/>
-              <a:t>printa</a:t>
-            </a:r>
-            <a:r>
-              <a:rPr lang="it-IT" dirty="0"/>
-              <a:t> quindi sintetizza, non ha senso ripeterlo . </a:t>
-            </a:r>
-          </a:p>
-          <a:p>
-            <a:r>
-              <a:rPr lang="it-IT" dirty="0"/>
-              <a:t>Dopo c’è la fase di UNKNOWN REQUEST, anche li , a parte i 2 moduli iniziali poi si ripete tutto quindi sintetizza la parte che si ripete</a:t>
-            </a:r>
-          </a:p>
-        </p:txBody>
-      </p:sp>
     </p:spTree>
     <p:extLst>
       <p:ext uri="{BB962C8B-B14F-4D97-AF65-F5344CB8AC3E}">

--- a/Presentazioni/Presentazione_Clips.pptx
+++ b/Presentazioni/Presentazione_Clips.pptx
@@ -3536,7 +3536,7 @@
         <p:spPr>
           <a:xfrm>
             <a:off x="159817" y="4590625"/>
-            <a:ext cx="11816159" cy="1477328"/>
+            <a:ext cx="11816159" cy="1754326"/>
           </a:xfrm>
           <a:prstGeom prst="rect">
             <a:avLst/>
@@ -3551,16 +3551,7 @@
           <a:p>
             <a:r>
               <a:rPr lang="it-IT" dirty="0"/>
-              <a:t>Finita la seconda fase, nel caso in cui l’utente abbiamo risposto con «non so» ad alcune domande si attiva il modulo UNKNOWN-REQUEST che chiede all’utente se vuole aggiungere delle risposte che prima non sapeva.</a:t>
-            </a:r>
-          </a:p>
-          <a:p>
-            <a:endParaRPr lang="it-IT" dirty="0"/>
-          </a:p>
-          <a:p>
-            <a:r>
-              <a:rPr lang="it-IT" dirty="0"/>
-              <a:t>Il modulo ASK-MORE verifica in quali domande l’utente ha dato come risposta «</a:t>
+              <a:t>Finita la seconda fase, nel caso in cui l’utente abbia risposto con «</a:t>
             </a:r>
             <a:r>
               <a:rPr lang="it-IT" dirty="0" err="1"/>
@@ -3568,7 +3559,21 @@
             </a:r>
             <a:r>
               <a:rPr lang="it-IT" dirty="0"/>
-              <a:t>» e gli permette di modifica la sua risposta, dandone una precisa. Così facendo il sistema avrà maggiori informazioni per selezionare le case migliori.</a:t>
+              <a:t>» ad alcune domande e volesse modificare la risposta, si attiva il modulo UNKNOWN-REQUEST che chiede all’utente se vuole aggiungere delle risposte che prima non sapeva.</a:t>
+            </a:r>
+          </a:p>
+          <a:p>
+            <a:r>
+              <a:rPr lang="it-IT" dirty="0"/>
+              <a:t>Nel caso venisse risposto si, il modulo ASK-MORE verifica in quali domande l’utente ha dato come risposta «</a:t>
+            </a:r>
+            <a:r>
+              <a:rPr lang="it-IT" dirty="0" err="1"/>
+              <a:t>unknown</a:t>
+            </a:r>
+            <a:r>
+              <a:rPr lang="it-IT" dirty="0"/>
+              <a:t>» e gli permette di modificare la sua risposta, dandone una precisa. Così facendo il sistema avrà maggiori informazioni per selezionare le case migliori.</a:t>
             </a:r>
           </a:p>
         </p:txBody>
@@ -3654,7 +3659,7 @@
         <p:spPr>
           <a:xfrm>
             <a:off x="479394" y="2920753"/>
-            <a:ext cx="11363418" cy="3416320"/>
+            <a:ext cx="11363418" cy="3970318"/>
           </a:xfrm>
           <a:prstGeom prst="rect">
             <a:avLst/>
@@ -3687,8 +3692,21 @@
           <a:p>
             <a:r>
               <a:rPr lang="it-IT" dirty="0"/>
-              <a:t>Abbiamo utilizzato solo un vincolo forte come scelta implementativa per garantire sempre una soluzione. Questo perché, facendo delle prove, ci siamo accorti che con il limitato DB di case che abbiamo a disposizione mettendo regole troppo stringenti alcune volte capitava di non ottenere nessuna casa come risultato finale.</a:t>
-            </a:r>
+              <a:t>Abbiamo utilizzato solo un vincolo forte (</a:t>
+            </a:r>
+            <a:r>
+              <a:rPr lang="it-IT" dirty="0" err="1"/>
+              <a:t>boxauto</a:t>
+            </a:r>
+            <a:r>
+              <a:rPr lang="it-IT" dirty="0"/>
+              <a:t>) come scelta implementativa per garantire sempre una soluzione. Questo perché, facendo delle prove, ci siamo accorti che con il limitato DB di case che abbiamo a disposizione mettendo regole troppo stringenti alcune volte capitava di non ottenere nessuna casa come risultato finale. Questo non significa che il nostro sistema generi qualsiasi soluzione ma cerca di proporre delle case che rispetti la richiesta dell’utente il </a:t>
+            </a:r>
+            <a:r>
+              <a:rPr lang="it-IT"/>
+              <a:t>più possibile.</a:t>
+            </a:r>
+            <a:endParaRPr lang="it-IT" dirty="0"/>
           </a:p>
           <a:p>
             <a:endParaRPr lang="it-IT" dirty="0"/>
@@ -4923,7 +4941,7 @@
           <a:p>
             <a:r>
               <a:rPr lang="it-IT" dirty="0"/>
-              <a:t>Come avviene già nella fase di profiling il modulo CHOOSE-HUOSES va ad assegnare un CF per ogni attributo utilizzato per la scelta della/e migliori case presenti nel DB da presentare all’utente. Sarà come già detto il modulo RULE con il quale asseriamo un attributo con un CF che combina il CF accumulato dalla regola con quello dato a priori (inizialmente 100).</a:t>
+              <a:t>Come avviene già nella fase di profiling il modulo CHOOSE-HOUSES va ad assegnare un CF per ogni attributo utilizzato per la scelta della/e migliori case presenti nel DB da presentare all’utente. Sarà come già detto il modulo RULE con il quale asseriamo un attributo con un CF che combina il CF accumulato dalla regola con quello dato a priori (inizialmente 100).</a:t>
             </a:r>
           </a:p>
           <a:p>
